--- a/decks/Python and Databases.pptx
+++ b/decks/Python and Databases.pptx
@@ -10478,6 +10478,25 @@
               <a:rPr lang="en-US" dirty="0"/>
               <a:t>What is a notebook</a:t>
             </a:r>
+          </a:p>
+          <a:p>
+            <a:pPr lvl="1"/>
+            <a:r>
+              <a:rPr lang="en-US" dirty="0"/>
+              <a:t>Anaconda (We’ll use this)</a:t>
+            </a:r>
+          </a:p>
+          <a:p>
+            <a:pPr lvl="1"/>
+            <a:r>
+              <a:rPr lang="en-US" dirty="0"/>
+              <a:t>Kaggle (you </a:t>
+            </a:r>
+            <a:r>
+              <a:rPr lang="en-US"/>
+              <a:t>are welcome to use this)</a:t>
+            </a:r>
+            <a:endParaRPr lang="en-US" dirty="0"/>
           </a:p>
           <a:p>
             <a:r>
